--- a/Excercise5/DevOpsPipeline.pptx
+++ b/Excercise5/DevOpsPipeline.pptx
@@ -5618,10 +5618,10 @@
               <a:buNone/>
             </a:pPr>
             <a:r>
-              <a:rPr lang="en" sz="1000" dirty="0"/>
+              <a:rPr lang="en" sz="1050" dirty="0"/>
               <a:t>Build Application Container/ OS Image</a:t>
             </a:r>
-            <a:endParaRPr sz="1000" dirty="0"/>
+            <a:endParaRPr sz="1050" dirty="0"/>
           </a:p>
         </p:txBody>
       </p:sp>
@@ -5662,10 +5662,10 @@
               <a:buNone/>
             </a:pPr>
             <a:r>
-              <a:rPr lang="en" sz="1000" dirty="0"/>
+              <a:rPr lang="en" sz="1050" dirty="0"/>
               <a:t>Deploy Cloud Configuration or Application to Environment</a:t>
             </a:r>
-            <a:endParaRPr sz="1000" dirty="0"/>
+            <a:endParaRPr sz="1050" dirty="0"/>
           </a:p>
         </p:txBody>
       </p:sp>
@@ -5706,10 +5706,10 @@
               <a:buNone/>
             </a:pPr>
             <a:r>
-              <a:rPr lang="en" sz="1000" dirty="0"/>
+              <a:rPr lang="en" sz="1050" dirty="0"/>
               <a:t>Update Cloud and Infrastructure Configuration</a:t>
             </a:r>
-            <a:endParaRPr sz="1000" dirty="0"/>
+            <a:endParaRPr sz="1050" dirty="0"/>
           </a:p>
         </p:txBody>
       </p:sp>
@@ -5750,10 +5750,10 @@
               <a:buNone/>
             </a:pPr>
             <a:r>
-              <a:rPr lang="en" sz="1000" dirty="0"/>
+              <a:rPr lang="en" sz="1050" dirty="0"/>
               <a:t>Application/ OS Code Change</a:t>
             </a:r>
-            <a:endParaRPr sz="1000" dirty="0"/>
+            <a:endParaRPr sz="1050" dirty="0"/>
           </a:p>
         </p:txBody>
       </p:sp>
@@ -5794,10 +5794,10 @@
               <a:buNone/>
             </a:pPr>
             <a:r>
-              <a:rPr lang="en" sz="1000" dirty="0"/>
+              <a:rPr lang="en" sz="1050" dirty="0"/>
               <a:t>Infrastructure as Code Change</a:t>
             </a:r>
-            <a:endParaRPr sz="1000" dirty="0"/>
+            <a:endParaRPr sz="1050" dirty="0"/>
           </a:p>
         </p:txBody>
       </p:sp>
@@ -5819,6 +5819,9 @@
             <a:avLst/>
           </a:prstGeom>
           <a:ln>
+            <a:solidFill>
+              <a:schemeClr val="tx1"/>
+            </a:solidFill>
             <a:tailEnd type="triangle"/>
           </a:ln>
         </p:spPr>
@@ -5874,10 +5877,10 @@
               <a:buNone/>
             </a:pPr>
             <a:r>
-              <a:rPr lang="en" sz="1000" dirty="0"/>
+              <a:rPr lang="en" sz="1050" dirty="0"/>
               <a:t>Using Anchore  Scan OS Image or Container Image</a:t>
             </a:r>
-            <a:endParaRPr sz="1000" dirty="0"/>
+            <a:endParaRPr sz="1050" dirty="0"/>
           </a:p>
         </p:txBody>
       </p:sp>
@@ -5899,6 +5902,9 @@
             <a:avLst/>
           </a:prstGeom>
           <a:ln>
+            <a:solidFill>
+              <a:schemeClr val="tx1"/>
+            </a:solidFill>
             <a:tailEnd type="triangle"/>
           </a:ln>
         </p:spPr>
@@ -5954,10 +5960,10 @@
               <a:buNone/>
             </a:pPr>
             <a:r>
-              <a:rPr lang="en" sz="1000" dirty="0"/>
+              <a:rPr lang="en" sz="1050" dirty="0"/>
               <a:t>Using Cfripper scan Infrastructure as Code template</a:t>
             </a:r>
-            <a:endParaRPr sz="1000" dirty="0"/>
+            <a:endParaRPr sz="1050" dirty="0"/>
           </a:p>
         </p:txBody>
       </p:sp>
@@ -5979,6 +5985,9 @@
             <a:avLst/>
           </a:prstGeom>
           <a:ln>
+            <a:solidFill>
+              <a:schemeClr val="tx1"/>
+            </a:solidFill>
             <a:tailEnd type="triangle"/>
           </a:ln>
         </p:spPr>
@@ -6015,6 +6024,9 @@
             <a:avLst/>
           </a:prstGeom>
           <a:ln>
+            <a:solidFill>
+              <a:schemeClr val="tx1"/>
+            </a:solidFill>
             <a:tailEnd type="triangle"/>
           </a:ln>
         </p:spPr>
@@ -6050,6 +6062,9 @@
             <a:avLst/>
           </a:prstGeom>
           <a:ln>
+            <a:solidFill>
+              <a:schemeClr val="tx1"/>
+            </a:solidFill>
             <a:tailEnd type="triangle"/>
           </a:ln>
         </p:spPr>
@@ -6086,6 +6101,9 @@
             <a:avLst/>
           </a:prstGeom>
           <a:ln>
+            <a:solidFill>
+              <a:schemeClr val="tx1"/>
+            </a:solidFill>
             <a:tailEnd type="triangle"/>
           </a:ln>
         </p:spPr>
@@ -6133,10 +6151,10 @@
           <a:p>
             <a:pPr lvl="0" algn="ctr"/>
             <a:r>
-              <a:rPr lang="en-IN" sz="1000" dirty="0"/>
+              <a:rPr lang="en-IN" sz="1050" dirty="0"/>
               <a:t>Post Deployment Compliance scanning using AWS Config</a:t>
             </a:r>
-            <a:endParaRPr sz="1000" dirty="0"/>
+            <a:endParaRPr sz="1050" dirty="0"/>
           </a:p>
         </p:txBody>
       </p:sp>
@@ -6158,6 +6176,9 @@
             <a:avLst/>
           </a:prstGeom>
           <a:ln>
+            <a:solidFill>
+              <a:schemeClr val="tx1"/>
+            </a:solidFill>
             <a:tailEnd type="triangle"/>
           </a:ln>
         </p:spPr>

--- a/Excercise5/DevOpsPipeline.pptx
+++ b/Excercise5/DevOpsPipeline.pptx
@@ -258,6 +258,14 @@
     </p:ext>
   </p:extLst>
 </p:presentation>
+</file>
+
+<file path=ppt/revisionInfo.xml><?xml version="1.0" encoding="utf-8"?>
+<p1510:revInfo xmlns:a="http://schemas.openxmlformats.org/drawingml/2006/main" xmlns:r="http://schemas.openxmlformats.org/officeDocument/2006/relationships" xmlns:p1510="http://schemas.microsoft.com/office/powerpoint/2015/10/main">
+  <p1510:revLst>
+    <p1510:client id="{E5C38D53-9DFD-4BCF-816A-E22338058A1F}" v="103" dt="2022-05-03T07:41:45.253"/>
+  </p1510:revLst>
+</p1510:revInfo>
 </file>
 
 <file path=ppt/notesMasters/notesMaster1.xml><?xml version="1.0" encoding="utf-8"?>
@@ -5589,7 +5597,103 @@
         </p:nvSpPr>
         <p:spPr>
           <a:xfrm>
-            <a:off x="2133775" y="1021950"/>
+            <a:off x="2789319" y="736200"/>
+            <a:ext cx="1308000" cy="883350"/>
+          </a:xfrm>
+          <a:prstGeom prst="rect">
+            <a:avLst/>
+          </a:prstGeom>
+          <a:solidFill>
+            <a:srgbClr val="CFE2F3"/>
+          </a:solidFill>
+          <a:ln>
+            <a:noFill/>
+          </a:ln>
+        </p:spPr>
+        <p:txBody>
+          <a:bodyPr spcFirstLastPara="1" wrap="square" lIns="91425" tIns="91425" rIns="91425" bIns="91425" anchor="ctr" anchorCtr="0">
+            <a:noAutofit/>
+          </a:bodyPr>
+          <a:lstStyle/>
+          <a:p>
+            <a:pPr algn="ctr"/>
+            <a:r>
+              <a:rPr lang="en" sz="1050" dirty="0">
+                <a:highlight>
+                  <a:srgbClr val="FFFF00"/>
+                </a:highlight>
+              </a:rPr>
+              <a:t>Using AWS </a:t>
+            </a:r>
+            <a:r>
+              <a:rPr lang="en" sz="1050" dirty="0" err="1">
+                <a:highlight>
+                  <a:srgbClr val="FFFF00"/>
+                </a:highlight>
+              </a:rPr>
+              <a:t>CodeBuild</a:t>
+            </a:r>
+            <a:r>
+              <a:rPr lang="en" sz="1050" dirty="0"/>
+              <a:t> Build Application Container/ OS Image</a:t>
+            </a:r>
+            <a:endParaRPr sz="1050" dirty="0"/>
+          </a:p>
+        </p:txBody>
+      </p:sp>
+      <p:sp>
+        <p:nvSpPr>
+          <p:cNvPr id="55" name="Google Shape;55;p13"/>
+          <p:cNvSpPr/>
+          <p:nvPr/>
+        </p:nvSpPr>
+        <p:spPr>
+          <a:xfrm>
+            <a:off x="7056344" y="2395100"/>
+            <a:ext cx="1666500" cy="597600"/>
+          </a:xfrm>
+          <a:prstGeom prst="rect">
+            <a:avLst/>
+          </a:prstGeom>
+          <a:solidFill>
+            <a:srgbClr val="CFE2F3"/>
+          </a:solidFill>
+          <a:ln>
+            <a:noFill/>
+          </a:ln>
+        </p:spPr>
+        <p:txBody>
+          <a:bodyPr spcFirstLastPara="1" wrap="square" lIns="91425" tIns="91425" rIns="91425" bIns="91425" anchor="ctr" anchorCtr="0">
+            <a:noAutofit/>
+          </a:bodyPr>
+          <a:lstStyle/>
+          <a:p>
+            <a:pPr marL="0" lvl="0" indent="0" algn="ctr" rtl="0">
+              <a:spcBef>
+                <a:spcPts val="0"/>
+              </a:spcBef>
+              <a:spcAft>
+                <a:spcPts val="0"/>
+              </a:spcAft>
+              <a:buNone/>
+            </a:pPr>
+            <a:r>
+              <a:rPr lang="en" sz="1050" dirty="0"/>
+              <a:t>Deploy Cloud Configuration or Application to Environment</a:t>
+            </a:r>
+            <a:endParaRPr sz="1050" dirty="0"/>
+          </a:p>
+        </p:txBody>
+      </p:sp>
+      <p:sp>
+        <p:nvSpPr>
+          <p:cNvPr id="56" name="Google Shape;56;p13"/>
+          <p:cNvSpPr/>
+          <p:nvPr/>
+        </p:nvSpPr>
+        <p:spPr>
+          <a:xfrm>
+            <a:off x="7220182" y="1021950"/>
             <a:ext cx="1308000" cy="597600"/>
           </a:xfrm>
           <a:prstGeom prst="rect">
@@ -5619,7 +5723,7 @@
             </a:pPr>
             <a:r>
               <a:rPr lang="en" sz="1050" dirty="0"/>
-              <a:t>Build Application Container/ OS Image</a:t>
+              <a:t>Update Cloud and Infrastructure Configuration</a:t>
             </a:r>
             <a:endParaRPr sz="1050" dirty="0"/>
           </a:p>
@@ -5627,14 +5731,14 @@
       </p:sp>
       <p:sp>
         <p:nvSpPr>
-          <p:cNvPr id="55" name="Google Shape;55;p13"/>
+          <p:cNvPr id="57" name="Google Shape;57;p13"/>
           <p:cNvSpPr/>
           <p:nvPr/>
         </p:nvSpPr>
         <p:spPr>
           <a:xfrm>
-            <a:off x="6400800" y="2395100"/>
-            <a:ext cx="1666500" cy="597600"/>
+            <a:off x="953079" y="895884"/>
+            <a:ext cx="1308000" cy="723666"/>
           </a:xfrm>
           <a:prstGeom prst="rect">
             <a:avLst/>
@@ -5663,21 +5767,39 @@
             </a:pPr>
             <a:r>
               <a:rPr lang="en" sz="1050" dirty="0"/>
-              <a:t>Deploy Cloud Configuration or Application to Environment</a:t>
+              <a:t>Application/ OS Code Change</a:t>
             </a:r>
-            <a:endParaRPr sz="1050" dirty="0"/>
+          </a:p>
+          <a:p>
+            <a:pPr algn="ctr"/>
+            <a:r>
+              <a:rPr lang="en" sz="1050" dirty="0">
+                <a:highlight>
+                  <a:srgbClr val="FFFF00"/>
+                </a:highlight>
+              </a:rPr>
+              <a:t>On Gitlab, scan by </a:t>
+            </a:r>
+            <a:r>
+              <a:rPr lang="en" sz="1050">
+                <a:highlight>
+                  <a:srgbClr val="FFFF00"/>
+                </a:highlight>
+              </a:rPr>
+              <a:t>Sonar</a:t>
+            </a:r>
           </a:p>
         </p:txBody>
       </p:sp>
       <p:sp>
         <p:nvSpPr>
-          <p:cNvPr id="56" name="Google Shape;56;p13"/>
+          <p:cNvPr id="58" name="Google Shape;58;p13"/>
           <p:cNvSpPr/>
           <p:nvPr/>
         </p:nvSpPr>
         <p:spPr>
           <a:xfrm>
-            <a:off x="6564638" y="1021950"/>
+            <a:off x="1532983" y="2693900"/>
             <a:ext cx="1308000" cy="597600"/>
           </a:xfrm>
           <a:prstGeom prst="rect">
@@ -5707,97 +5829,19 @@
             </a:pPr>
             <a:r>
               <a:rPr lang="en" sz="1050" dirty="0"/>
-              <a:t>Update Cloud and Infrastructure Configuration</a:t>
-            </a:r>
-            <a:endParaRPr sz="1050" dirty="0"/>
-          </a:p>
-        </p:txBody>
-      </p:sp>
-      <p:sp>
-        <p:nvSpPr>
-          <p:cNvPr id="57" name="Google Shape;57;p13"/>
-          <p:cNvSpPr/>
-          <p:nvPr/>
-        </p:nvSpPr>
-        <p:spPr>
-          <a:xfrm>
-            <a:off x="184075" y="1021950"/>
-            <a:ext cx="1308000" cy="597600"/>
-          </a:xfrm>
-          <a:prstGeom prst="rect">
-            <a:avLst/>
-          </a:prstGeom>
-          <a:solidFill>
-            <a:srgbClr val="CFE2F3"/>
-          </a:solidFill>
-          <a:ln>
-            <a:noFill/>
-          </a:ln>
-        </p:spPr>
-        <p:txBody>
-          <a:bodyPr spcFirstLastPara="1" wrap="square" lIns="91425" tIns="91425" rIns="91425" bIns="91425" anchor="ctr" anchorCtr="0">
-            <a:noAutofit/>
-          </a:bodyPr>
-          <a:lstStyle/>
-          <a:p>
-            <a:pPr marL="0" lvl="0" indent="0" algn="ctr" rtl="0">
-              <a:spcBef>
-                <a:spcPts val="0"/>
-              </a:spcBef>
-              <a:spcAft>
-                <a:spcPts val="0"/>
-              </a:spcAft>
-              <a:buNone/>
-            </a:pPr>
-            <a:r>
-              <a:rPr lang="en" sz="1050" dirty="0"/>
-              <a:t>Application/ OS Code Change</a:t>
-            </a:r>
-            <a:endParaRPr sz="1050" dirty="0"/>
-          </a:p>
-        </p:txBody>
-      </p:sp>
-      <p:sp>
-        <p:nvSpPr>
-          <p:cNvPr id="58" name="Google Shape;58;p13"/>
-          <p:cNvSpPr/>
-          <p:nvPr/>
-        </p:nvSpPr>
-        <p:spPr>
-          <a:xfrm>
-            <a:off x="184075" y="2693900"/>
-            <a:ext cx="1308000" cy="597600"/>
-          </a:xfrm>
-          <a:prstGeom prst="rect">
-            <a:avLst/>
-          </a:prstGeom>
-          <a:solidFill>
-            <a:srgbClr val="CFE2F3"/>
-          </a:solidFill>
-          <a:ln>
-            <a:noFill/>
-          </a:ln>
-        </p:spPr>
-        <p:txBody>
-          <a:bodyPr spcFirstLastPara="1" wrap="square" lIns="91425" tIns="91425" rIns="91425" bIns="91425" anchor="ctr" anchorCtr="0">
-            <a:noAutofit/>
-          </a:bodyPr>
-          <a:lstStyle/>
-          <a:p>
-            <a:pPr marL="0" lvl="0" indent="0" algn="ctr" rtl="0">
-              <a:spcBef>
-                <a:spcPts val="0"/>
-              </a:spcBef>
-              <a:spcAft>
-                <a:spcPts val="0"/>
-              </a:spcAft>
-              <a:buNone/>
-            </a:pPr>
-            <a:r>
-              <a:rPr lang="en" sz="1050" dirty="0"/>
               <a:t>Infrastructure as Code Change</a:t>
             </a:r>
-            <a:endParaRPr sz="1050" dirty="0"/>
+          </a:p>
+          <a:p>
+            <a:pPr algn="ctr"/>
+            <a:r>
+              <a:rPr lang="en" sz="1050" dirty="0">
+                <a:highlight>
+                  <a:srgbClr val="FFFF00"/>
+                </a:highlight>
+              </a:rPr>
+              <a:t>On Gitlab</a:t>
+            </a:r>
           </a:p>
         </p:txBody>
       </p:sp>
@@ -5805,15 +5849,14 @@
         <p:nvCxnSpPr>
           <p:cNvPr id="9" name="Straight Arrow Connector 8"/>
           <p:cNvCxnSpPr>
-            <a:stCxn id="57" idx="3"/>
-            <a:endCxn id="54" idx="1"/>
+            <a:cxnSpLocks/>
           </p:cNvCxnSpPr>
           <p:nvPr/>
         </p:nvCxnSpPr>
         <p:spPr>
           <a:xfrm>
-            <a:off x="1492075" y="1320750"/>
-            <a:ext cx="641700" cy="0"/>
+            <a:off x="2256875" y="1299739"/>
+            <a:ext cx="532444" cy="4202"/>
           </a:xfrm>
           <a:prstGeom prst="straightConnector1">
             <a:avLst/>
@@ -5848,8 +5891,8 @@
         </p:nvSpPr>
         <p:spPr>
           <a:xfrm>
-            <a:off x="3969263" y="1021950"/>
-            <a:ext cx="1308000" cy="597600"/>
+            <a:off x="4624807" y="820245"/>
+            <a:ext cx="1308000" cy="795103"/>
           </a:xfrm>
           <a:prstGeom prst="rect">
             <a:avLst/>
@@ -5867,18 +5910,26 @@
           </a:bodyPr>
           <a:lstStyle/>
           <a:p>
-            <a:pPr marL="0" lvl="0" indent="0" algn="ctr" rtl="0">
-              <a:spcBef>
-                <a:spcPts val="0"/>
-              </a:spcBef>
-              <a:spcAft>
-                <a:spcPts val="0"/>
-              </a:spcAft>
-              <a:buNone/>
-            </a:pPr>
+            <a:pPr algn="ctr"/>
+            <a:r>
+              <a:rPr lang="en" sz="1050" dirty="0">
+                <a:highlight>
+                  <a:srgbClr val="FFFF00"/>
+                </a:highlight>
+              </a:rPr>
+              <a:t>Using </a:t>
+            </a:r>
+            <a:r>
+              <a:rPr lang="en" sz="1050" dirty="0" err="1">
+                <a:highlight>
+                  <a:srgbClr val="FFFF00"/>
+                </a:highlight>
+              </a:rPr>
+              <a:t>Anchore</a:t>
+            </a:r>
             <a:r>
               <a:rPr lang="en" sz="1050" dirty="0"/>
-              <a:t>Using Anchore  Scan OS Image or Container Image</a:t>
+              <a:t> Scan OS Image or Container Image</a:t>
             </a:r>
             <a:endParaRPr sz="1050" dirty="0"/>
           </a:p>
@@ -5888,14 +5939,13 @@
         <p:nvCxnSpPr>
           <p:cNvPr id="14" name="Straight Arrow Connector 13"/>
           <p:cNvCxnSpPr>
-            <a:stCxn id="54" idx="3"/>
-            <a:endCxn id="19" idx="1"/>
+            <a:cxnSpLocks/>
           </p:cNvCxnSpPr>
           <p:nvPr/>
         </p:nvCxnSpPr>
         <p:spPr>
           <a:xfrm>
-            <a:off x="3441775" y="1320750"/>
+            <a:off x="4097319" y="1320750"/>
             <a:ext cx="527488" cy="0"/>
           </a:xfrm>
           <a:prstGeom prst="straightConnector1">
@@ -5931,7 +5981,7 @@
         </p:nvSpPr>
         <p:spPr>
           <a:xfrm>
-            <a:off x="3051519" y="2655800"/>
+            <a:off x="3707063" y="2655800"/>
             <a:ext cx="1587156" cy="668425"/>
           </a:xfrm>
           <a:prstGeom prst="rect">
@@ -5960,8 +6010,16 @@
               <a:buNone/>
             </a:pPr>
             <a:r>
+              <a:rPr lang="en" sz="1050" dirty="0">
+                <a:highlight>
+                  <a:srgbClr val="FFFF00"/>
+                </a:highlight>
+              </a:rPr>
+              <a:t>Using Cfripper</a:t>
+            </a:r>
+            <a:r>
               <a:rPr lang="en" sz="1050" dirty="0"/>
-              <a:t>Using Cfripper scan Infrastructure as Code template</a:t>
+              <a:t> scan Infrastructure as Code template</a:t>
             </a:r>
             <a:endParaRPr sz="1050" dirty="0"/>
           </a:p>
@@ -5971,15 +6029,14 @@
         <p:nvCxnSpPr>
           <p:cNvPr id="23" name="Straight Arrow Connector 22"/>
           <p:cNvCxnSpPr>
-            <a:stCxn id="58" idx="3"/>
-            <a:endCxn id="29" idx="1"/>
+            <a:cxnSpLocks/>
           </p:cNvCxnSpPr>
           <p:nvPr/>
         </p:nvCxnSpPr>
         <p:spPr>
-          <a:xfrm flipV="1">
-            <a:off x="1492075" y="2990013"/>
-            <a:ext cx="1559444" cy="2687"/>
+          <a:xfrm>
+            <a:off x="2840982" y="2980094"/>
+            <a:ext cx="866082" cy="18323"/>
           </a:xfrm>
           <a:prstGeom prst="straightConnector1">
             <a:avLst/>
@@ -6010,14 +6067,13 @@
         <p:nvCxnSpPr>
           <p:cNvPr id="31" name="Straight Arrow Connector 30"/>
           <p:cNvCxnSpPr>
-            <a:stCxn id="19" idx="3"/>
-            <a:endCxn id="56" idx="1"/>
+            <a:cxnSpLocks/>
           </p:cNvCxnSpPr>
           <p:nvPr/>
         </p:nvCxnSpPr>
         <p:spPr>
           <a:xfrm>
-            <a:off x="5277263" y="1320750"/>
+            <a:off x="5932807" y="1320750"/>
             <a:ext cx="1287375" cy="0"/>
           </a:xfrm>
           <a:prstGeom prst="straightConnector1">
@@ -6049,13 +6105,13 @@
         <p:nvCxnSpPr>
           <p:cNvPr id="33" name="Elbow Connector 32"/>
           <p:cNvCxnSpPr>
-            <a:stCxn id="29" idx="3"/>
+            <a:cxnSpLocks/>
           </p:cNvCxnSpPr>
           <p:nvPr/>
         </p:nvCxnSpPr>
         <p:spPr>
           <a:xfrm flipV="1">
-            <a:off x="4638675" y="1469581"/>
+            <a:off x="5294219" y="1469581"/>
             <a:ext cx="1925963" cy="1520432"/>
           </a:xfrm>
           <a:prstGeom prst="bentConnector3">
@@ -6087,14 +6143,13 @@
         <p:nvCxnSpPr>
           <p:cNvPr id="44" name="Straight Arrow Connector 43"/>
           <p:cNvCxnSpPr>
-            <a:stCxn id="56" idx="2"/>
-            <a:endCxn id="55" idx="0"/>
+            <a:cxnSpLocks/>
           </p:cNvCxnSpPr>
           <p:nvPr/>
         </p:nvCxnSpPr>
         <p:spPr>
           <a:xfrm>
-            <a:off x="7218638" y="1619550"/>
+            <a:off x="7874182" y="1619550"/>
             <a:ext cx="15412" cy="775550"/>
           </a:xfrm>
           <a:prstGeom prst="straightConnector1">
@@ -6130,7 +6185,7 @@
         </p:nvSpPr>
         <p:spPr>
           <a:xfrm>
-            <a:off x="6400800" y="3765563"/>
+            <a:off x="7056344" y="3765563"/>
             <a:ext cx="1666500" cy="597600"/>
           </a:xfrm>
           <a:prstGeom prst="rect">
@@ -6152,9 +6207,21 @@
             <a:pPr lvl="0" algn="ctr"/>
             <a:r>
               <a:rPr lang="en-IN" sz="1050" dirty="0"/>
-              <a:t>Post Deployment Compliance scanning using AWS Config</a:t>
+              <a:t>Post Deployment Compliance scanning </a:t>
             </a:r>
-            <a:endParaRPr sz="1050" dirty="0"/>
+            <a:r>
+              <a:rPr lang="en-IN" sz="1050" dirty="0">
+                <a:highlight>
+                  <a:srgbClr val="FFFF00"/>
+                </a:highlight>
+              </a:rPr>
+              <a:t>using AWS Config</a:t>
+            </a:r>
+            <a:endParaRPr sz="1050" dirty="0">
+              <a:highlight>
+                <a:srgbClr val="FFFF00"/>
+              </a:highlight>
+            </a:endParaRPr>
           </a:p>
         </p:txBody>
       </p:sp>
@@ -6162,15 +6229,161 @@
         <p:nvCxnSpPr>
           <p:cNvPr id="46" name="Straight Arrow Connector 45"/>
           <p:cNvCxnSpPr>
-            <a:stCxn id="55" idx="2"/>
-            <a:endCxn id="63" idx="0"/>
+            <a:cxnSpLocks/>
           </p:cNvCxnSpPr>
           <p:nvPr/>
         </p:nvCxnSpPr>
         <p:spPr>
           <a:xfrm>
-            <a:off x="7234050" y="2992700"/>
+            <a:off x="7889594" y="2992700"/>
             <a:ext cx="0" cy="772863"/>
+          </a:xfrm>
+          <a:prstGeom prst="straightConnector1">
+            <a:avLst/>
+          </a:prstGeom>
+          <a:ln>
+            <a:solidFill>
+              <a:schemeClr val="tx1"/>
+            </a:solidFill>
+            <a:tailEnd type="triangle"/>
+          </a:ln>
+        </p:spPr>
+        <p:style>
+          <a:lnRef idx="1">
+            <a:schemeClr val="accent1"/>
+          </a:lnRef>
+          <a:fillRef idx="0">
+            <a:schemeClr val="accent1"/>
+          </a:fillRef>
+          <a:effectRef idx="0">
+            <a:schemeClr val="accent1"/>
+          </a:effectRef>
+          <a:fontRef idx="minor">
+            <a:schemeClr val="tx1"/>
+          </a:fontRef>
+        </p:style>
+      </p:cxnSp>
+      <p:sp>
+        <p:nvSpPr>
+          <p:cNvPr id="2" name="Oval 1">
+            <a:extLst>
+              <a:ext uri="{FF2B5EF4-FFF2-40B4-BE49-F238E27FC236}">
+                <a16:creationId xmlns:a16="http://schemas.microsoft.com/office/drawing/2014/main" id="{F1D157E3-340A-2708-D3DB-5E51D529C785}"/>
+              </a:ext>
+            </a:extLst>
+          </p:cNvPr>
+          <p:cNvSpPr/>
+          <p:nvPr/>
+        </p:nvSpPr>
+        <p:spPr>
+          <a:xfrm>
+            <a:off x="840" y="2089336"/>
+            <a:ext cx="1428750" cy="403412"/>
+          </a:xfrm>
+          <a:prstGeom prst="ellipse">
+            <a:avLst/>
+          </a:prstGeom>
+        </p:spPr>
+        <p:style>
+          <a:lnRef idx="2">
+            <a:schemeClr val="accent1">
+              <a:shade val="50000"/>
+            </a:schemeClr>
+          </a:lnRef>
+          <a:fillRef idx="1">
+            <a:schemeClr val="accent1"/>
+          </a:fillRef>
+          <a:effectRef idx="0">
+            <a:schemeClr val="accent1"/>
+          </a:effectRef>
+          <a:fontRef idx="minor">
+            <a:schemeClr val="lt1"/>
+          </a:fontRef>
+        </p:style>
+        <p:txBody>
+          <a:bodyPr rtlCol="0" anchor="ctr"/>
+          <a:lstStyle/>
+          <a:p>
+            <a:pPr algn="ctr"/>
+            <a:r>
+              <a:rPr lang="en-US" dirty="0">
+                <a:solidFill>
+                  <a:schemeClr val="tx1"/>
+                </a:solidFill>
+                <a:cs typeface="Arial"/>
+              </a:rPr>
+              <a:t>Developer</a:t>
+            </a:r>
+            <a:endParaRPr lang="en-US" dirty="0">
+              <a:solidFill>
+                <a:schemeClr val="tx1"/>
+              </a:solidFill>
+            </a:endParaRPr>
+          </a:p>
+        </p:txBody>
+      </p:sp>
+      <p:cxnSp>
+        <p:nvCxnSpPr>
+          <p:cNvPr id="18" name="Straight Arrow Connector 17">
+            <a:extLst>
+              <a:ext uri="{FF2B5EF4-FFF2-40B4-BE49-F238E27FC236}">
+                <a16:creationId xmlns:a16="http://schemas.microsoft.com/office/drawing/2014/main" id="{13119CB2-C9CD-A865-9CF5-E082D151E5C1}"/>
+              </a:ext>
+            </a:extLst>
+          </p:cNvPr>
+          <p:cNvCxnSpPr>
+            <a:cxnSpLocks/>
+          </p:cNvCxnSpPr>
+          <p:nvPr/>
+        </p:nvCxnSpPr>
+        <p:spPr>
+          <a:xfrm flipV="1">
+            <a:off x="1437445" y="1603285"/>
+            <a:ext cx="151708" cy="687647"/>
+          </a:xfrm>
+          <a:prstGeom prst="straightConnector1">
+            <a:avLst/>
+          </a:prstGeom>
+          <a:ln>
+            <a:solidFill>
+              <a:schemeClr val="tx1"/>
+            </a:solidFill>
+            <a:tailEnd type="triangle"/>
+          </a:ln>
+        </p:spPr>
+        <p:style>
+          <a:lnRef idx="1">
+            <a:schemeClr val="accent1"/>
+          </a:lnRef>
+          <a:fillRef idx="0">
+            <a:schemeClr val="accent1"/>
+          </a:fillRef>
+          <a:effectRef idx="0">
+            <a:schemeClr val="accent1"/>
+          </a:effectRef>
+          <a:fontRef idx="minor">
+            <a:schemeClr val="tx1"/>
+          </a:fontRef>
+        </p:style>
+      </p:cxnSp>
+      <p:cxnSp>
+        <p:nvCxnSpPr>
+          <p:cNvPr id="20" name="Straight Arrow Connector 19">
+            <a:extLst>
+              <a:ext uri="{FF2B5EF4-FFF2-40B4-BE49-F238E27FC236}">
+                <a16:creationId xmlns:a16="http://schemas.microsoft.com/office/drawing/2014/main" id="{7F4CAD63-4A88-FFC6-4405-46DD8A194AAC}"/>
+              </a:ext>
+            </a:extLst>
+          </p:cNvPr>
+          <p:cNvCxnSpPr>
+            <a:cxnSpLocks/>
+          </p:cNvCxnSpPr>
+          <p:nvPr/>
+        </p:nvCxnSpPr>
+        <p:spPr>
+          <a:xfrm>
+            <a:off x="1424839" y="2316146"/>
+            <a:ext cx="676983" cy="379713"/>
           </a:xfrm>
           <a:prstGeom prst="straightConnector1">
             <a:avLst/>
